--- a/5 семестр/УД/Презентация.pptx
+++ b/5 семестр/УД/Презентация.pptx
@@ -213,7 +213,7 @@
           <a:p>
             <a:fld id="{CE01C4BD-8C05-4E06-9259-72F306031F6E}" type="datetimeFigureOut">
               <a:rPr lang="ru-RU" smtClean="0"/>
-              <a:t>24.02.2024</a:t>
+              <a:t>26.02.2024</a:t>
             </a:fld>
             <a:endParaRPr lang="ru-RU"/>
           </a:p>
@@ -2223,7 +2223,7 @@
           <a:p>
             <a:fld id="{B1BB54AB-1233-4E83-893B-A5454350B0DC}" type="datetimeFigureOut">
               <a:rPr lang="ru-RU" smtClean="0"/>
-              <a:t>24.02.2024</a:t>
+              <a:t>26.02.2024</a:t>
             </a:fld>
             <a:endParaRPr lang="ru-RU"/>
           </a:p>
@@ -2421,7 +2421,7 @@
           <a:p>
             <a:fld id="{B1BB54AB-1233-4E83-893B-A5454350B0DC}" type="datetimeFigureOut">
               <a:rPr lang="ru-RU" smtClean="0"/>
-              <a:t>24.02.2024</a:t>
+              <a:t>26.02.2024</a:t>
             </a:fld>
             <a:endParaRPr lang="ru-RU"/>
           </a:p>
@@ -2629,7 +2629,7 @@
           <a:p>
             <a:fld id="{B1BB54AB-1233-4E83-893B-A5454350B0DC}" type="datetimeFigureOut">
               <a:rPr lang="ru-RU" smtClean="0"/>
-              <a:t>24.02.2024</a:t>
+              <a:t>26.02.2024</a:t>
             </a:fld>
             <a:endParaRPr lang="ru-RU"/>
           </a:p>
@@ -2827,7 +2827,7 @@
           <a:p>
             <a:fld id="{B1BB54AB-1233-4E83-893B-A5454350B0DC}" type="datetimeFigureOut">
               <a:rPr lang="ru-RU" smtClean="0"/>
-              <a:t>24.02.2024</a:t>
+              <a:t>26.02.2024</a:t>
             </a:fld>
             <a:endParaRPr lang="ru-RU"/>
           </a:p>
@@ -3102,7 +3102,7 @@
           <a:p>
             <a:fld id="{B1BB54AB-1233-4E83-893B-A5454350B0DC}" type="datetimeFigureOut">
               <a:rPr lang="ru-RU" smtClean="0"/>
-              <a:t>24.02.2024</a:t>
+              <a:t>26.02.2024</a:t>
             </a:fld>
             <a:endParaRPr lang="ru-RU"/>
           </a:p>
@@ -3367,7 +3367,7 @@
           <a:p>
             <a:fld id="{B1BB54AB-1233-4E83-893B-A5454350B0DC}" type="datetimeFigureOut">
               <a:rPr lang="ru-RU" smtClean="0"/>
-              <a:t>24.02.2024</a:t>
+              <a:t>26.02.2024</a:t>
             </a:fld>
             <a:endParaRPr lang="ru-RU"/>
           </a:p>
@@ -3779,7 +3779,7 @@
           <a:p>
             <a:fld id="{B1BB54AB-1233-4E83-893B-A5454350B0DC}" type="datetimeFigureOut">
               <a:rPr lang="ru-RU" smtClean="0"/>
-              <a:t>24.02.2024</a:t>
+              <a:t>26.02.2024</a:t>
             </a:fld>
             <a:endParaRPr lang="ru-RU"/>
           </a:p>
@@ -3920,7 +3920,7 @@
           <a:p>
             <a:fld id="{B1BB54AB-1233-4E83-893B-A5454350B0DC}" type="datetimeFigureOut">
               <a:rPr lang="ru-RU" smtClean="0"/>
-              <a:t>24.02.2024</a:t>
+              <a:t>26.02.2024</a:t>
             </a:fld>
             <a:endParaRPr lang="ru-RU"/>
           </a:p>
@@ -4033,7 +4033,7 @@
           <a:p>
             <a:fld id="{B1BB54AB-1233-4E83-893B-A5454350B0DC}" type="datetimeFigureOut">
               <a:rPr lang="ru-RU" smtClean="0"/>
-              <a:t>24.02.2024</a:t>
+              <a:t>26.02.2024</a:t>
             </a:fld>
             <a:endParaRPr lang="ru-RU"/>
           </a:p>
@@ -4344,7 +4344,7 @@
           <a:p>
             <a:fld id="{B1BB54AB-1233-4E83-893B-A5454350B0DC}" type="datetimeFigureOut">
               <a:rPr lang="ru-RU" smtClean="0"/>
-              <a:t>24.02.2024</a:t>
+              <a:t>26.02.2024</a:t>
             </a:fld>
             <a:endParaRPr lang="ru-RU"/>
           </a:p>
@@ -4632,7 +4632,7 @@
           <a:p>
             <a:fld id="{B1BB54AB-1233-4E83-893B-A5454350B0DC}" type="datetimeFigureOut">
               <a:rPr lang="ru-RU" smtClean="0"/>
-              <a:t>24.02.2024</a:t>
+              <a:t>26.02.2024</a:t>
             </a:fld>
             <a:endParaRPr lang="ru-RU"/>
           </a:p>
@@ -4873,7 +4873,7 @@
           <a:p>
             <a:fld id="{B1BB54AB-1233-4E83-893B-A5454350B0DC}" type="datetimeFigureOut">
               <a:rPr lang="ru-RU" smtClean="0"/>
-              <a:t>24.02.2024</a:t>
+              <a:t>26.02.2024</a:t>
             </a:fld>
             <a:endParaRPr lang="ru-RU"/>
           </a:p>
